--- a/HackTheBay_Slides.pptx
+++ b/HackTheBay_Slides.pptx
@@ -145,11 +145,8 @@
 <file path=ppt/revisionInfo.xml><?xml version="1.0" encoding="utf-8"?>
 <p1510:revInfo xmlns:a="http://schemas.openxmlformats.org/drawingml/2006/main" xmlns:r="http://schemas.openxmlformats.org/officeDocument/2006/relationships" xmlns:p1510="http://schemas.microsoft.com/office/powerpoint/2015/10/main">
   <p1510:revLst>
-    <p1510:client id="{2EE4CF1E-6990-A0D1-6343-AB8380829C71}" v="21" dt="2020-09-19T16:29:46.432"/>
-    <p1510:client id="{33087262-CE63-8C00-09E3-0C14FD7EC740}" v="508" dt="2020-09-19T22:12:47.688"/>
+    <p1510:client id="{2476D421-440E-C05D-D6CE-4D25448D3795}" v="11" dt="2020-09-29T14:36:07.858"/>
     <p1510:client id="{3F9EDFD0-4321-416D-B3ED-427564597BA6}" v="364" dt="2020-09-20T00:43:43.690"/>
-    <p1510:client id="{715780B0-4D76-4206-8C26-44D1589ED139}" v="1" dt="2020-09-19T19:24:21.110"/>
-    <p1510:client id="{A3CE34A3-21C3-5648-80B0-A94FAD62E268}" v="4975" dt="2020-09-19T23:57:44.364"/>
   </p1510:revLst>
 </p1510:revInfo>
 </file>
@@ -236,7 +233,7 @@
           <a:p>
             <a:fld id="{A4E2FFA5-8E2F-E341-816B-E89EE6646F7C}" type="datetimeFigureOut">
               <a:rPr lang="en-US" smtClean="0"/>
-              <a:t>9/19/2020</a:t>
+              <a:t>9/29/2020</a:t>
             </a:fld>
             <a:endParaRPr lang="en-US"/>
           </a:p>
@@ -726,7 +723,7 @@
             <a:fld id="{5586B75A-687E-405C-8A0B-8D00578BA2C3}" type="datetimeFigureOut">
               <a:rPr lang="en-US" dirty="0"/>
               <a:pPr/>
-              <a:t>9/19/2020</a:t>
+              <a:t>9/29/2020</a:t>
             </a:fld>
             <a:endParaRPr lang="en-US"/>
           </a:p>
@@ -891,7 +888,7 @@
             <a:fld id="{5586B75A-687E-405C-8A0B-8D00578BA2C3}" type="datetimeFigureOut">
               <a:rPr lang="en-US" dirty="0"/>
               <a:pPr/>
-              <a:t>9/19/2020</a:t>
+              <a:t>9/29/2020</a:t>
             </a:fld>
             <a:endParaRPr lang="en-US"/>
           </a:p>
@@ -1066,7 +1063,7 @@
             <a:fld id="{5586B75A-687E-405C-8A0B-8D00578BA2C3}" type="datetimeFigureOut">
               <a:rPr lang="en-US" dirty="0"/>
               <a:pPr/>
-              <a:t>9/19/2020</a:t>
+              <a:t>9/29/2020</a:t>
             </a:fld>
             <a:endParaRPr lang="en-US"/>
           </a:p>
@@ -1231,7 +1228,7 @@
             <a:fld id="{5586B75A-687E-405C-8A0B-8D00578BA2C3}" type="datetimeFigureOut">
               <a:rPr lang="en-US" dirty="0"/>
               <a:pPr/>
-              <a:t>9/19/2020</a:t>
+              <a:t>9/29/2020</a:t>
             </a:fld>
             <a:endParaRPr lang="en-US"/>
           </a:p>
@@ -1485,7 +1482,7 @@
             <a:fld id="{5586B75A-687E-405C-8A0B-8D00578BA2C3}" type="datetimeFigureOut">
               <a:rPr lang="en-US" dirty="0"/>
               <a:pPr/>
-              <a:t>9/19/2020</a:t>
+              <a:t>9/29/2020</a:t>
             </a:fld>
             <a:endParaRPr lang="en-US"/>
           </a:p>
@@ -1767,7 +1764,7 @@
             <a:fld id="{5586B75A-687E-405C-8A0B-8D00578BA2C3}" type="datetimeFigureOut">
               <a:rPr lang="en-US" dirty="0"/>
               <a:pPr/>
-              <a:t>9/19/2020</a:t>
+              <a:t>9/29/2020</a:t>
             </a:fld>
             <a:endParaRPr lang="en-US"/>
           </a:p>
@@ -2203,7 +2200,7 @@
             <a:fld id="{5586B75A-687E-405C-8A0B-8D00578BA2C3}" type="datetimeFigureOut">
               <a:rPr lang="en-US" dirty="0"/>
               <a:pPr/>
-              <a:t>9/19/2020</a:t>
+              <a:t>9/29/2020</a:t>
             </a:fld>
             <a:endParaRPr lang="en-US"/>
           </a:p>
@@ -2317,7 +2314,7 @@
             <a:fld id="{5586B75A-687E-405C-8A0B-8D00578BA2C3}" type="datetimeFigureOut">
               <a:rPr lang="en-US" dirty="0"/>
               <a:pPr/>
-              <a:t>9/19/2020</a:t>
+              <a:t>9/29/2020</a:t>
             </a:fld>
             <a:endParaRPr lang="en-US"/>
           </a:p>
@@ -2409,7 +2406,7 @@
             <a:fld id="{5586B75A-687E-405C-8A0B-8D00578BA2C3}" type="datetimeFigureOut">
               <a:rPr lang="en-US" dirty="0"/>
               <a:pPr/>
-              <a:t>9/19/2020</a:t>
+              <a:t>9/29/2020</a:t>
             </a:fld>
             <a:endParaRPr lang="en-US"/>
           </a:p>
@@ -2692,7 +2689,7 @@
             <a:fld id="{5586B75A-687E-405C-8A0B-8D00578BA2C3}" type="datetimeFigureOut">
               <a:rPr lang="en-US" dirty="0"/>
               <a:pPr/>
-              <a:t>9/19/2020</a:t>
+              <a:t>9/29/2020</a:t>
             </a:fld>
             <a:endParaRPr lang="en-US"/>
           </a:p>
@@ -2960,7 +2957,7 @@
             <a:fld id="{5586B75A-687E-405C-8A0B-8D00578BA2C3}" type="datetimeFigureOut">
               <a:rPr lang="en-US" dirty="0"/>
               <a:pPr/>
-              <a:t>9/19/2020</a:t>
+              <a:t>9/29/2020</a:t>
             </a:fld>
             <a:endParaRPr lang="en-US"/>
           </a:p>
@@ -3252,7 +3249,7 @@
             <a:fld id="{5586B75A-687E-405C-8A0B-8D00578BA2C3}" type="datetimeFigureOut">
               <a:rPr lang="en-US" dirty="0"/>
               <a:pPr/>
-              <a:t>9/19/2020</a:t>
+              <a:t>9/29/2020</a:t>
             </a:fld>
             <a:endParaRPr lang="en-US"/>
           </a:p>
@@ -5935,10 +5932,10 @@
       </p:sp>
       <p:pic>
         <p:nvPicPr>
-          <p:cNvPr id="13" name="Picture 12">
+          <p:cNvPr id="4" name="Picture 3">
             <a:extLst>
               <a:ext uri="{FF2B5EF4-FFF2-40B4-BE49-F238E27FC236}">
-                <a16:creationId xmlns:a16="http://schemas.microsoft.com/office/drawing/2014/main" id="{EE22BBE8-41D5-484A-9845-95943C0E1CC6}"/>
+                <a16:creationId xmlns:a16="http://schemas.microsoft.com/office/drawing/2014/main" id="{DD429E87-4BEE-4943-992A-D01F180A2E98}"/>
               </a:ext>
             </a:extLst>
           </p:cNvPr>
@@ -5947,16 +5944,15 @@
           </p:cNvPicPr>
           <p:nvPr/>
         </p:nvPicPr>
-        <p:blipFill>
+        <p:blipFill rotWithShape="1">
           <a:blip r:embed="rId2"/>
-          <a:stretch>
-            <a:fillRect/>
-          </a:stretch>
+          <a:srcRect l="1999" t="7150" r="1893" b="5714"/>
+          <a:stretch/>
         </p:blipFill>
         <p:spPr>
           <a:xfrm>
-            <a:off x="512401" y="1704814"/>
-            <a:ext cx="11157348" cy="5029200"/>
+            <a:off x="1117255" y="1596226"/>
+            <a:ext cx="9957490" cy="5261774"/>
           </a:xfrm>
           <a:prstGeom prst="rect">
             <a:avLst/>
